--- a/Videokartyak.pptx
+++ b/Videokartyak.pptx
@@ -10,8 +10,8 @@
     <p:sldId id="259" r:id="rId4"/>
     <p:sldId id="260" r:id="rId5"/>
     <p:sldId id="262" r:id="rId6"/>
-    <p:sldId id="263" r:id="rId7"/>
-    <p:sldId id="264" r:id="rId8"/>
+    <p:sldId id="264" r:id="rId7"/>
+    <p:sldId id="263" r:id="rId8"/>
     <p:sldId id="265" r:id="rId9"/>
     <p:sldId id="261" r:id="rId10"/>
     <p:sldId id="257" r:id="rId11"/>
@@ -254,7 +254,7 @@
           <a:p>
             <a:fld id="{D8B625BF-F2A8-471A-9F7E-2971400F516E}" type="datetimeFigureOut">
               <a:rPr lang="hu-HU" smtClean="0"/>
-              <a:t>2022.09.12.</a:t>
+              <a:t>2022.09.13.</a:t>
             </a:fld>
             <a:endParaRPr lang="hu-HU"/>
           </a:p>
@@ -541,7 +541,7 @@
           <a:p>
             <a:fld id="{D8B625BF-F2A8-471A-9F7E-2971400F516E}" type="datetimeFigureOut">
               <a:rPr lang="hu-HU" smtClean="0"/>
-              <a:t>2022.09.12.</a:t>
+              <a:t>2022.09.13.</a:t>
             </a:fld>
             <a:endParaRPr lang="hu-HU"/>
           </a:p>
@@ -733,7 +733,7 @@
           <a:p>
             <a:fld id="{D8B625BF-F2A8-471A-9F7E-2971400F516E}" type="datetimeFigureOut">
               <a:rPr lang="hu-HU" smtClean="0"/>
-              <a:t>2022.09.12.</a:t>
+              <a:t>2022.09.13.</a:t>
             </a:fld>
             <a:endParaRPr lang="hu-HU"/>
           </a:p>
@@ -994,7 +994,7 @@
           <a:p>
             <a:fld id="{D8B625BF-F2A8-471A-9F7E-2971400F516E}" type="datetimeFigureOut">
               <a:rPr lang="hu-HU" smtClean="0"/>
-              <a:t>2022.09.12.</a:t>
+              <a:t>2022.09.13.</a:t>
             </a:fld>
             <a:endParaRPr lang="hu-HU"/>
           </a:p>
@@ -1418,7 +1418,7 @@
           <a:p>
             <a:fld id="{D8B625BF-F2A8-471A-9F7E-2971400F516E}" type="datetimeFigureOut">
               <a:rPr lang="hu-HU" smtClean="0"/>
-              <a:t>2022.09.12.</a:t>
+              <a:t>2022.09.13.</a:t>
             </a:fld>
             <a:endParaRPr lang="hu-HU"/>
           </a:p>
@@ -1964,7 +1964,7 @@
           <a:p>
             <a:fld id="{D8B625BF-F2A8-471A-9F7E-2971400F516E}" type="datetimeFigureOut">
               <a:rPr lang="hu-HU" smtClean="0"/>
-              <a:t>2022.09.12.</a:t>
+              <a:t>2022.09.13.</a:t>
             </a:fld>
             <a:endParaRPr lang="hu-HU"/>
           </a:p>
@@ -2804,7 +2804,7 @@
           <a:p>
             <a:fld id="{D8B625BF-F2A8-471A-9F7E-2971400F516E}" type="datetimeFigureOut">
               <a:rPr lang="hu-HU" smtClean="0"/>
-              <a:t>2022.09.12.</a:t>
+              <a:t>2022.09.13.</a:t>
             </a:fld>
             <a:endParaRPr lang="hu-HU"/>
           </a:p>
@@ -2974,7 +2974,7 @@
           <a:p>
             <a:fld id="{D8B625BF-F2A8-471A-9F7E-2971400F516E}" type="datetimeFigureOut">
               <a:rPr lang="hu-HU" smtClean="0"/>
-              <a:t>2022.09.12.</a:t>
+              <a:t>2022.09.13.</a:t>
             </a:fld>
             <a:endParaRPr lang="hu-HU"/>
           </a:p>
@@ -3158,7 +3158,7 @@
           <a:p>
             <a:fld id="{D8B625BF-F2A8-471A-9F7E-2971400F516E}" type="datetimeFigureOut">
               <a:rPr lang="hu-HU" smtClean="0"/>
-              <a:t>2022.09.12.</a:t>
+              <a:t>2022.09.13.</a:t>
             </a:fld>
             <a:endParaRPr lang="hu-HU"/>
           </a:p>
@@ -3328,7 +3328,7 @@
           <a:p>
             <a:fld id="{D8B625BF-F2A8-471A-9F7E-2971400F516E}" type="datetimeFigureOut">
               <a:rPr lang="hu-HU" smtClean="0"/>
-              <a:t>2022.09.12.</a:t>
+              <a:t>2022.09.13.</a:t>
             </a:fld>
             <a:endParaRPr lang="hu-HU"/>
           </a:p>
@@ -3576,7 +3576,7 @@
           <a:p>
             <a:fld id="{D8B625BF-F2A8-471A-9F7E-2971400F516E}" type="datetimeFigureOut">
               <a:rPr lang="hu-HU" smtClean="0"/>
-              <a:t>2022.09.12.</a:t>
+              <a:t>2022.09.13.</a:t>
             </a:fld>
             <a:endParaRPr lang="hu-HU"/>
           </a:p>
@@ -3813,7 +3813,7 @@
           <a:p>
             <a:fld id="{D8B625BF-F2A8-471A-9F7E-2971400F516E}" type="datetimeFigureOut">
               <a:rPr lang="hu-HU" smtClean="0"/>
-              <a:t>2022.09.12.</a:t>
+              <a:t>2022.09.13.</a:t>
             </a:fld>
             <a:endParaRPr lang="hu-HU"/>
           </a:p>
@@ -4186,7 +4186,7 @@
           <a:p>
             <a:fld id="{D8B625BF-F2A8-471A-9F7E-2971400F516E}" type="datetimeFigureOut">
               <a:rPr lang="hu-HU" smtClean="0"/>
-              <a:t>2022.09.12.</a:t>
+              <a:t>2022.09.13.</a:t>
             </a:fld>
             <a:endParaRPr lang="hu-HU"/>
           </a:p>
@@ -4304,7 +4304,7 @@
           <a:p>
             <a:fld id="{D8B625BF-F2A8-471A-9F7E-2971400F516E}" type="datetimeFigureOut">
               <a:rPr lang="hu-HU" smtClean="0"/>
-              <a:t>2022.09.12.</a:t>
+              <a:t>2022.09.13.</a:t>
             </a:fld>
             <a:endParaRPr lang="hu-HU"/>
           </a:p>
@@ -4399,7 +4399,7 @@
           <a:p>
             <a:fld id="{D8B625BF-F2A8-471A-9F7E-2971400F516E}" type="datetimeFigureOut">
               <a:rPr lang="hu-HU" smtClean="0"/>
-              <a:t>2022.09.12.</a:t>
+              <a:t>2022.09.13.</a:t>
             </a:fld>
             <a:endParaRPr lang="hu-HU"/>
           </a:p>
@@ -4650,7 +4650,7 @@
           <a:p>
             <a:fld id="{D8B625BF-F2A8-471A-9F7E-2971400F516E}" type="datetimeFigureOut">
               <a:rPr lang="hu-HU" smtClean="0"/>
-              <a:t>2022.09.12.</a:t>
+              <a:t>2022.09.13.</a:t>
             </a:fld>
             <a:endParaRPr lang="hu-HU"/>
           </a:p>
@@ -4937,7 +4937,7 @@
           <a:p>
             <a:fld id="{D8B625BF-F2A8-471A-9F7E-2971400F516E}" type="datetimeFigureOut">
               <a:rPr lang="hu-HU" smtClean="0"/>
-              <a:t>2022.09.12.</a:t>
+              <a:t>2022.09.13.</a:t>
             </a:fld>
             <a:endParaRPr lang="hu-HU"/>
           </a:p>
@@ -5150,7 +5150,7 @@
           <a:p>
             <a:fld id="{D8B625BF-F2A8-471A-9F7E-2971400F516E}" type="datetimeFigureOut">
               <a:rPr lang="hu-HU" smtClean="0"/>
-              <a:t>2022.09.12.</a:t>
+              <a:t>2022.09.13.</a:t>
             </a:fld>
             <a:endParaRPr lang="hu-HU"/>
           </a:p>
@@ -5694,6 +5694,13 @@
   <p:clrMapOvr>
     <a:masterClrMapping/>
   </p:clrMapOvr>
+  <p:timing>
+    <p:tnLst>
+      <p:par>
+        <p:cTn id="1" dur="indefinite" restart="never" nodeType="tmRoot"/>
+      </p:par>
+    </p:tnLst>
+  </p:timing>
 </p:sld>
 </file>
 
@@ -5760,6 +5767,13 @@
   <p:clrMapOvr>
     <a:masterClrMapping/>
   </p:clrMapOvr>
+  <p:timing>
+    <p:tnLst>
+      <p:par>
+        <p:cTn id="1" dur="indefinite" restart="never" nodeType="tmRoot"/>
+      </p:par>
+    </p:tnLst>
+  </p:timing>
 </p:sld>
 </file>
 
@@ -5823,8 +5837,8 @@
         </p:nvSpPr>
         <p:spPr>
           <a:xfrm>
-            <a:off x="913795" y="2096064"/>
-            <a:ext cx="10821005" cy="2182643"/>
+            <a:off x="913795" y="1896685"/>
+            <a:ext cx="2527905" cy="2182643"/>
           </a:xfrm>
         </p:spPr>
         <p:txBody>
@@ -5920,8 +5934,8 @@
         </p:blipFill>
         <p:spPr>
           <a:xfrm>
-            <a:off x="365125" y="4268195"/>
-            <a:ext cx="3411645" cy="1910521"/>
+            <a:off x="202075" y="4025422"/>
+            <a:ext cx="4166379" cy="2333172"/>
           </a:xfrm>
           <a:prstGeom prst="rect">
             <a:avLst/>
@@ -5936,7 +5950,7 @@
         </p:nvSpPr>
         <p:spPr>
           <a:xfrm>
-            <a:off x="1016847" y="6202690"/>
+            <a:off x="1231164" y="6376802"/>
             <a:ext cx="2108200" cy="261610"/>
           </a:xfrm>
           <a:prstGeom prst="rect">
@@ -5992,7 +6006,7 @@
         </p:nvSpPr>
         <p:spPr>
           <a:xfrm>
-            <a:off x="5176275" y="6333495"/>
+            <a:off x="5176275" y="6376802"/>
             <a:ext cx="1828800" cy="266700"/>
           </a:xfrm>
           <a:prstGeom prst="rect">
@@ -6032,14 +6046,46 @@
         </p:blipFill>
         <p:spPr>
           <a:xfrm>
-            <a:off x="8172450" y="4164644"/>
-            <a:ext cx="3562350" cy="1994916"/>
+            <a:off x="7882564" y="3990709"/>
+            <a:ext cx="4059571" cy="2273360"/>
           </a:xfrm>
           <a:prstGeom prst="rect">
             <a:avLst/>
           </a:prstGeom>
         </p:spPr>
       </p:pic>
+      <p:sp>
+        <p:nvSpPr>
+          <p:cNvPr id="5" name="Szövegdoboz 4"/>
+          <p:cNvSpPr txBox="1"/>
+          <p:nvPr/>
+        </p:nvSpPr>
+        <p:spPr>
+          <a:xfrm>
+            <a:off x="8953499" y="6371712"/>
+            <a:ext cx="1917700" cy="266700"/>
+          </a:xfrm>
+          <a:prstGeom prst="rect">
+            <a:avLst/>
+          </a:prstGeom>
+          <a:noFill/>
+        </p:spPr>
+        <p:txBody>
+          <a:bodyPr wrap="square" rtlCol="0">
+            <a:spAutoFit/>
+          </a:bodyPr>
+          <a:lstStyle/>
+          <a:p>
+            <a:r>
+              <a:rPr lang="hu-HU" sz="1100" dirty="0">
+                <a:latin typeface="Times New Roman" panose="02020603050405020304" pitchFamily="18" charset="0"/>
+                <a:cs typeface="Times New Roman" panose="02020603050405020304" pitchFamily="18" charset="0"/>
+              </a:rPr>
+              <a:t>https://tinyurl.com/k4wnc6zz</a:t>
+            </a:r>
+          </a:p>
+        </p:txBody>
+      </p:sp>
     </p:spTree>
     <p:extLst>
       <p:ext uri="{BB962C8B-B14F-4D97-AF65-F5344CB8AC3E}">
@@ -6050,6 +6096,13 @@
   <p:clrMapOvr>
     <a:masterClrMapping/>
   </p:clrMapOvr>
+  <p:timing>
+    <p:tnLst>
+      <p:par>
+        <p:cTn id="1" dur="indefinite" restart="never" nodeType="tmRoot"/>
+      </p:par>
+    </p:tnLst>
+  </p:timing>
 </p:sld>
 </file>
 
@@ -6113,8 +6166,8 @@
         </p:nvSpPr>
         <p:spPr>
           <a:xfrm>
-            <a:off x="621695" y="1740464"/>
-            <a:ext cx="4229705" cy="5015936"/>
+            <a:off x="605076" y="1562664"/>
+            <a:ext cx="3573224" cy="5015936"/>
           </a:xfrm>
         </p:spPr>
         <p:txBody>
@@ -6196,6 +6249,102 @@
               <a:latin typeface="Times New Roman" panose="02020603050405020304" pitchFamily="18" charset="0"/>
               <a:cs typeface="Times New Roman" panose="02020603050405020304" pitchFamily="18" charset="0"/>
             </a:endParaRPr>
+          </a:p>
+        </p:txBody>
+      </p:sp>
+      <p:pic>
+        <p:nvPicPr>
+          <p:cNvPr id="1026" name="Picture 2" descr="https://realadmin.ru/assets/images/articles/2020/08/02.png"/>
+          <p:cNvPicPr>
+            <a:picLocks noChangeAspect="1" noChangeArrowheads="1"/>
+          </p:cNvPicPr>
+          <p:nvPr/>
+        </p:nvPicPr>
+        <p:blipFill>
+          <a:blip r:embed="rId2">
+            <a:extLst>
+              <a:ext uri="{28A0092B-C50C-407E-A947-70E740481C1C}">
+                <a14:useLocalDpi xmlns:a14="http://schemas.microsoft.com/office/drawing/2010/main" val="0"/>
+              </a:ext>
+            </a:extLst>
+          </a:blip>
+          <a:srcRect/>
+          <a:stretch>
+            <a:fillRect/>
+          </a:stretch>
+        </p:blipFill>
+        <p:spPr bwMode="auto">
+          <a:xfrm>
+            <a:off x="4526059" y="1396976"/>
+            <a:ext cx="6741497" cy="4498417"/>
+          </a:xfrm>
+          <a:prstGeom prst="roundRect">
+            <a:avLst>
+              <a:gd name="adj" fmla="val 16667"/>
+            </a:avLst>
+          </a:prstGeom>
+          <a:ln>
+            <a:noFill/>
+          </a:ln>
+          <a:effectLst>
+            <a:outerShdw blurRad="152400" dist="12000" dir="900000" sy="98000" kx="110000" ky="200000" algn="tl" rotWithShape="0">
+              <a:srgbClr val="000000">
+                <a:alpha val="30000"/>
+              </a:srgbClr>
+            </a:outerShdw>
+          </a:effectLst>
+          <a:scene3d>
+            <a:camera prst="perspectiveRelaxed">
+              <a:rot lat="19800000" lon="1200000" rev="20820000"/>
+            </a:camera>
+            <a:lightRig rig="threePt" dir="t"/>
+          </a:scene3d>
+          <a:sp3d contourW="6350" prstMaterial="matte">
+            <a:bevelT w="101600" h="101600"/>
+            <a:contourClr>
+              <a:srgbClr val="969696"/>
+            </a:contourClr>
+          </a:sp3d>
+          <a:extLst>
+            <a:ext uri="{909E8E84-426E-40DD-AFC4-6F175D3DCCD1}">
+              <a14:hiddenFill xmlns:a14="http://schemas.microsoft.com/office/drawing/2010/main">
+                <a:solidFill>
+                  <a:srgbClr val="FFFFFF"/>
+                </a:solidFill>
+              </a14:hiddenFill>
+            </a:ext>
+          </a:extLst>
+        </p:spPr>
+      </p:pic>
+      <p:sp>
+        <p:nvSpPr>
+          <p:cNvPr id="4" name="Szövegdoboz 3"/>
+          <p:cNvSpPr txBox="1"/>
+          <p:nvPr/>
+        </p:nvSpPr>
+        <p:spPr>
+          <a:xfrm>
+            <a:off x="6732586" y="5895393"/>
+            <a:ext cx="1828800" cy="261610"/>
+          </a:xfrm>
+          <a:prstGeom prst="rect">
+            <a:avLst/>
+          </a:prstGeom>
+          <a:noFill/>
+        </p:spPr>
+        <p:txBody>
+          <a:bodyPr wrap="square" rtlCol="0">
+            <a:spAutoFit/>
+          </a:bodyPr>
+          <a:lstStyle/>
+          <a:p>
+            <a:r>
+              <a:rPr lang="hu-HU" sz="1100" dirty="0">
+                <a:latin typeface="Times New Roman" panose="02020603050405020304" pitchFamily="18" charset="0"/>
+                <a:cs typeface="Times New Roman" panose="02020603050405020304" pitchFamily="18" charset="0"/>
+              </a:rPr>
+              <a:t>https://tinyurl.com/yckx3p4z</a:t>
+            </a:r>
           </a:p>
         </p:txBody>
       </p:sp>
@@ -6209,6 +6358,13 @@
   <p:clrMapOvr>
     <a:masterClrMapping/>
   </p:clrMapOvr>
+  <p:timing>
+    <p:tnLst>
+      <p:par>
+        <p:cTn id="1" dur="indefinite" restart="never" nodeType="tmRoot"/>
+      </p:par>
+    </p:tnLst>
+  </p:timing>
 </p:sld>
 </file>
 
@@ -6272,8 +6428,8 @@
         </p:nvSpPr>
         <p:spPr>
           <a:xfrm>
-            <a:off x="570895" y="1715064"/>
-            <a:ext cx="4813905" cy="5142936"/>
+            <a:off x="545495" y="1651564"/>
+            <a:ext cx="3683605" cy="5054036"/>
           </a:xfrm>
         </p:spPr>
         <p:txBody>
@@ -6287,7 +6443,14 @@
                 <a:latin typeface="Times New Roman" panose="02020603050405020304" pitchFamily="18" charset="0"/>
                 <a:cs typeface="Times New Roman" panose="02020603050405020304" pitchFamily="18" charset="0"/>
               </a:rPr>
-              <a:t>Két nagy típus:</a:t>
+              <a:t>Két </a:t>
+            </a:r>
+            <a:r>
+              <a:rPr lang="hu-HU" sz="3000" dirty="0" smtClean="0">
+                <a:latin typeface="Times New Roman" panose="02020603050405020304" pitchFamily="18" charset="0"/>
+                <a:cs typeface="Times New Roman" panose="02020603050405020304" pitchFamily="18" charset="0"/>
+              </a:rPr>
+              <a:t>típus:</a:t>
             </a:r>
           </a:p>
           <a:p>
@@ -6374,6 +6537,68 @@
                 <a:cs typeface="Times New Roman" panose="02020603050405020304" pitchFamily="18" charset="0"/>
               </a:rPr>
               <a:t>Alaplap</a:t>
+            </a:r>
+          </a:p>
+        </p:txBody>
+      </p:sp>
+      <p:pic>
+        <p:nvPicPr>
+          <p:cNvPr id="4" name="Kép 3"/>
+          <p:cNvPicPr>
+            <a:picLocks noChangeAspect="1"/>
+          </p:cNvPicPr>
+          <p:nvPr/>
+        </p:nvPicPr>
+        <p:blipFill>
+          <a:blip r:embed="rId2">
+            <a:extLst>
+              <a:ext uri="{28A0092B-C50C-407E-A947-70E740481C1C}">
+                <a14:useLocalDpi xmlns:a14="http://schemas.microsoft.com/office/drawing/2010/main" val="0"/>
+              </a:ext>
+            </a:extLst>
+          </a:blip>
+          <a:stretch>
+            <a:fillRect/>
+          </a:stretch>
+        </p:blipFill>
+        <p:spPr>
+          <a:xfrm>
+            <a:off x="4104697" y="990600"/>
+            <a:ext cx="7372350" cy="5867400"/>
+          </a:xfrm>
+          <a:prstGeom prst="rect">
+            <a:avLst/>
+          </a:prstGeom>
+        </p:spPr>
+      </p:pic>
+      <p:sp>
+        <p:nvSpPr>
+          <p:cNvPr id="5" name="Szövegdoboz 4"/>
+          <p:cNvSpPr txBox="1"/>
+          <p:nvPr/>
+        </p:nvSpPr>
+        <p:spPr>
+          <a:xfrm>
+            <a:off x="6872633" y="5892800"/>
+            <a:ext cx="1836478" cy="261610"/>
+          </a:xfrm>
+          <a:prstGeom prst="rect">
+            <a:avLst/>
+          </a:prstGeom>
+          <a:noFill/>
+        </p:spPr>
+        <p:txBody>
+          <a:bodyPr wrap="square" rtlCol="0">
+            <a:spAutoFit/>
+          </a:bodyPr>
+          <a:lstStyle/>
+          <a:p>
+            <a:r>
+              <a:rPr lang="hu-HU" sz="1100" dirty="0">
+                <a:latin typeface="Times New Roman" panose="02020603050405020304" pitchFamily="18" charset="0"/>
+                <a:cs typeface="Times New Roman" panose="02020603050405020304" pitchFamily="18" charset="0"/>
+              </a:rPr>
+              <a:t>https://tinyurl.com/rsk2tzzz</a:t>
             </a:r>
           </a:p>
         </p:txBody>
@@ -6388,6 +6613,13 @@
   <p:clrMapOvr>
     <a:masterClrMapping/>
   </p:clrMapOvr>
+  <p:timing>
+    <p:tnLst>
+      <p:par>
+        <p:cTn id="1" dur="indefinite" restart="never" nodeType="tmRoot"/>
+      </p:par>
+    </p:tnLst>
+  </p:timing>
 </p:sld>
 </file>
 
@@ -6465,8 +6697,8 @@
         </p:nvSpPr>
         <p:spPr>
           <a:xfrm>
-            <a:off x="913795" y="2096064"/>
-            <a:ext cx="4712305" cy="4317436"/>
+            <a:off x="531434" y="2293274"/>
+            <a:ext cx="3693433" cy="2793436"/>
           </a:xfrm>
         </p:spPr>
         <p:txBody>
@@ -6508,17 +6740,76 @@
                 <a:latin typeface="Times New Roman" panose="02020603050405020304" pitchFamily="18" charset="0"/>
                 <a:cs typeface="Times New Roman" panose="02020603050405020304" pitchFamily="18" charset="0"/>
               </a:rPr>
-              <a:t>Házimozi</a:t>
-            </a:r>
-          </a:p>
-          <a:p>
-            <a:pPr lvl="1"/>
+              <a:t>Kis </a:t>
+            </a:r>
             <a:r>
               <a:rPr lang="hu-HU" sz="3000" dirty="0" smtClean="0">
                 <a:latin typeface="Times New Roman" panose="02020603050405020304" pitchFamily="18" charset="0"/>
                 <a:cs typeface="Times New Roman" panose="02020603050405020304" pitchFamily="18" charset="0"/>
               </a:rPr>
-              <a:t>Kis számítógépek</a:t>
+              <a:t>számítógépek</a:t>
+            </a:r>
+          </a:p>
+        </p:txBody>
+      </p:sp>
+      <p:pic>
+        <p:nvPicPr>
+          <p:cNvPr id="4" name="Kép 3"/>
+          <p:cNvPicPr>
+            <a:picLocks noChangeAspect="1"/>
+          </p:cNvPicPr>
+          <p:nvPr/>
+        </p:nvPicPr>
+        <p:blipFill>
+          <a:blip r:embed="rId2">
+            <a:extLst>
+              <a:ext uri="{28A0092B-C50C-407E-A947-70E740481C1C}">
+                <a14:useLocalDpi xmlns:a14="http://schemas.microsoft.com/office/drawing/2010/main" val="0"/>
+              </a:ext>
+            </a:extLst>
+          </a:blip>
+          <a:stretch>
+            <a:fillRect/>
+          </a:stretch>
+        </p:blipFill>
+        <p:spPr>
+          <a:xfrm>
+            <a:off x="4110567" y="1272760"/>
+            <a:ext cx="7732183" cy="4834465"/>
+          </a:xfrm>
+          <a:prstGeom prst="rect">
+            <a:avLst/>
+          </a:prstGeom>
+        </p:spPr>
+      </p:pic>
+      <p:sp>
+        <p:nvSpPr>
+          <p:cNvPr id="5" name="Szövegdoboz 4"/>
+          <p:cNvSpPr txBox="1"/>
+          <p:nvPr/>
+        </p:nvSpPr>
+        <p:spPr>
+          <a:xfrm>
+            <a:off x="7036858" y="6282695"/>
+            <a:ext cx="1879600" cy="261610"/>
+          </a:xfrm>
+          <a:prstGeom prst="rect">
+            <a:avLst/>
+          </a:prstGeom>
+          <a:noFill/>
+        </p:spPr>
+        <p:txBody>
+          <a:bodyPr wrap="square" rtlCol="0">
+            <a:spAutoFit/>
+          </a:bodyPr>
+          <a:lstStyle/>
+          <a:p>
+            <a:r>
+              <a:rPr lang="hu-HU" sz="1100" dirty="0">
+                <a:latin typeface="Times New Roman" panose="02020603050405020304" pitchFamily="18" charset="0"/>
+                <a:cs typeface="Times New Roman" panose="02020603050405020304" pitchFamily="18" charset="0"/>
+              </a:rPr>
+              <a:t>https://tinyurl.com/3yy9tnem</a:t>
             </a:r>
           </a:p>
         </p:txBody>
@@ -6533,6 +6824,13 @@
   <p:clrMapOvr>
     <a:masterClrMapping/>
   </p:clrMapOvr>
+  <p:timing>
+    <p:tnLst>
+      <p:par>
+        <p:cTn id="1" dur="indefinite" restart="never" nodeType="tmRoot"/>
+      </p:par>
+    </p:tnLst>
+  </p:timing>
 </p:sld>
 </file>
 
@@ -6575,7 +6873,7 @@
                 <a:latin typeface="Times New Roman" panose="02020603050405020304" pitchFamily="18" charset="0"/>
                 <a:cs typeface="Times New Roman" panose="02020603050405020304" pitchFamily="18" charset="0"/>
               </a:rPr>
-              <a:t>Kártya Csatlakozók az alaplapon</a:t>
+              <a:t>Kimeneti Csatlakozók</a:t>
             </a:r>
             <a:endParaRPr lang="hu-HU" sz="4200" dirty="0">
               <a:latin typeface="Times New Roman" panose="02020603050405020304" pitchFamily="18" charset="0"/>
@@ -6596,13 +6894,13 @@
         </p:nvSpPr>
         <p:spPr>
           <a:xfrm>
-            <a:off x="342295" y="1796220"/>
-            <a:ext cx="5194905" cy="5061780"/>
+            <a:off x="913795" y="2096064"/>
+            <a:ext cx="3023205" cy="3961836"/>
           </a:xfrm>
         </p:spPr>
         <p:txBody>
           <a:bodyPr>
-            <a:noAutofit/>
+            <a:normAutofit/>
           </a:bodyPr>
           <a:lstStyle/>
           <a:p>
@@ -6611,119 +6909,145 @@
                 <a:latin typeface="Times New Roman" panose="02020603050405020304" pitchFamily="18" charset="0"/>
                 <a:cs typeface="Times New Roman" panose="02020603050405020304" pitchFamily="18" charset="0"/>
               </a:rPr>
-              <a:t>Legismertebbek:</a:t>
-            </a:r>
-          </a:p>
-          <a:p>
-            <a:pPr lvl="1"/>
+              <a:t>Display Port</a:t>
+            </a:r>
+          </a:p>
+          <a:p>
             <a:r>
               <a:rPr lang="hu-HU" sz="3000" dirty="0" smtClean="0">
                 <a:latin typeface="Times New Roman" panose="02020603050405020304" pitchFamily="18" charset="0"/>
                 <a:cs typeface="Times New Roman" panose="02020603050405020304" pitchFamily="18" charset="0"/>
               </a:rPr>
-              <a:t>PCI</a:t>
-            </a:r>
-          </a:p>
-          <a:p>
-            <a:pPr lvl="1"/>
+              <a:t>HDMI</a:t>
+            </a:r>
+          </a:p>
+          <a:p>
             <a:r>
               <a:rPr lang="hu-HU" sz="3000" dirty="0" smtClean="0">
                 <a:latin typeface="Times New Roman" panose="02020603050405020304" pitchFamily="18" charset="0"/>
                 <a:cs typeface="Times New Roman" panose="02020603050405020304" pitchFamily="18" charset="0"/>
               </a:rPr>
-              <a:t>PCI-X</a:t>
-            </a:r>
-          </a:p>
-          <a:p>
-            <a:pPr lvl="1"/>
+              <a:t>VGA</a:t>
+            </a:r>
+          </a:p>
+          <a:p>
             <a:r>
               <a:rPr lang="hu-HU" sz="3000" dirty="0" smtClean="0">
                 <a:latin typeface="Times New Roman" panose="02020603050405020304" pitchFamily="18" charset="0"/>
                 <a:cs typeface="Times New Roman" panose="02020603050405020304" pitchFamily="18" charset="0"/>
               </a:rPr>
-              <a:t>PCI-Express (</a:t>
-            </a:r>
-            <a:r>
-              <a:rPr lang="hu-HU" sz="3000" dirty="0" err="1" smtClean="0">
-                <a:latin typeface="Times New Roman" panose="02020603050405020304" pitchFamily="18" charset="0"/>
-                <a:cs typeface="Times New Roman" panose="02020603050405020304" pitchFamily="18" charset="0"/>
-              </a:rPr>
-              <a:t>PCIe</a:t>
-            </a:r>
-            <a:r>
-              <a:rPr lang="hu-HU" sz="3000" dirty="0" smtClean="0">
-                <a:latin typeface="Times New Roman" panose="02020603050405020304" pitchFamily="18" charset="0"/>
-                <a:cs typeface="Times New Roman" panose="02020603050405020304" pitchFamily="18" charset="0"/>
-              </a:rPr>
-              <a:t>) (16x)</a:t>
+              <a:t>DVI</a:t>
             </a:r>
             <a:endParaRPr lang="hu-HU" sz="3000" dirty="0">
               <a:latin typeface="Times New Roman" panose="02020603050405020304" pitchFamily="18" charset="0"/>
               <a:cs typeface="Times New Roman" panose="02020603050405020304" pitchFamily="18" charset="0"/>
             </a:endParaRPr>
           </a:p>
-          <a:p>
-            <a:endParaRPr lang="hu-HU" sz="3000" dirty="0" smtClean="0">
-              <a:latin typeface="Times New Roman" panose="02020603050405020304" pitchFamily="18" charset="0"/>
-              <a:cs typeface="Times New Roman" panose="02020603050405020304" pitchFamily="18" charset="0"/>
-            </a:endParaRPr>
-          </a:p>
-          <a:p>
-            <a:r>
-              <a:rPr lang="hu-HU" sz="3000" dirty="0" smtClean="0">
+        </p:txBody>
+      </p:sp>
+      <p:pic>
+        <p:nvPicPr>
+          <p:cNvPr id="4" name="Kép 3"/>
+          <p:cNvPicPr>
+            <a:picLocks noChangeAspect="1"/>
+          </p:cNvPicPr>
+          <p:nvPr/>
+        </p:nvPicPr>
+        <p:blipFill>
+          <a:blip r:embed="rId2">
+            <a:extLst>
+              <a:ext uri="{28A0092B-C50C-407E-A947-70E740481C1C}">
+                <a14:useLocalDpi xmlns:a14="http://schemas.microsoft.com/office/drawing/2010/main" val="0"/>
+              </a:ext>
+            </a:extLst>
+          </a:blip>
+          <a:stretch>
+            <a:fillRect/>
+          </a:stretch>
+        </p:blipFill>
+        <p:spPr>
+          <a:xfrm>
+            <a:off x="2790825" y="1272760"/>
+            <a:ext cx="7788275" cy="4962033"/>
+          </a:xfrm>
+          <a:prstGeom prst="roundRect">
+            <a:avLst>
+              <a:gd name="adj" fmla="val 16667"/>
+            </a:avLst>
+          </a:prstGeom>
+          <a:ln>
+            <a:noFill/>
+          </a:ln>
+          <a:effectLst>
+            <a:outerShdw blurRad="152400" dist="12000" dir="900000" sy="98000" kx="110000" ky="200000" algn="tl" rotWithShape="0">
+              <a:srgbClr val="000000">
+                <a:alpha val="30000"/>
+              </a:srgbClr>
+            </a:outerShdw>
+          </a:effectLst>
+          <a:scene3d>
+            <a:camera prst="perspectiveRelaxed">
+              <a:rot lat="19800000" lon="1200000" rev="20820000"/>
+            </a:camera>
+            <a:lightRig rig="threePt" dir="t"/>
+          </a:scene3d>
+          <a:sp3d contourW="6350" prstMaterial="matte">
+            <a:bevelT w="101600" h="101600"/>
+            <a:contourClr>
+              <a:srgbClr val="969696"/>
+            </a:contourClr>
+          </a:sp3d>
+        </p:spPr>
+      </p:pic>
+      <p:sp>
+        <p:nvSpPr>
+          <p:cNvPr id="5" name="Szövegdoboz 4"/>
+          <p:cNvSpPr txBox="1"/>
+          <p:nvPr/>
+        </p:nvSpPr>
+        <p:spPr>
+          <a:xfrm>
+            <a:off x="5600700" y="6234793"/>
+            <a:ext cx="3848100" cy="261610"/>
+          </a:xfrm>
+          <a:prstGeom prst="rect">
+            <a:avLst/>
+          </a:prstGeom>
+          <a:noFill/>
+        </p:spPr>
+        <p:txBody>
+          <a:bodyPr wrap="square" rtlCol="0">
+            <a:spAutoFit/>
+          </a:bodyPr>
+          <a:lstStyle/>
+          <a:p>
+            <a:r>
+              <a:rPr lang="hu-HU" sz="1100" dirty="0">
                 <a:latin typeface="Times New Roman" panose="02020603050405020304" pitchFamily="18" charset="0"/>
                 <a:cs typeface="Times New Roman" panose="02020603050405020304" pitchFamily="18" charset="0"/>
               </a:rPr>
-              <a:t>Más fajták:</a:t>
-            </a:r>
-            <a:endParaRPr lang="hu-HU" sz="3000" dirty="0">
-              <a:latin typeface="Times New Roman" panose="02020603050405020304" pitchFamily="18" charset="0"/>
-              <a:cs typeface="Times New Roman" panose="02020603050405020304" pitchFamily="18" charset="0"/>
-            </a:endParaRPr>
-          </a:p>
-          <a:p>
-            <a:pPr lvl="1"/>
-            <a:r>
-              <a:rPr lang="hu-HU" sz="3000" dirty="0" smtClean="0">
-                <a:latin typeface="Times New Roman" panose="02020603050405020304" pitchFamily="18" charset="0"/>
-                <a:cs typeface="Times New Roman" panose="02020603050405020304" pitchFamily="18" charset="0"/>
-              </a:rPr>
-              <a:t>USB</a:t>
-            </a:r>
-          </a:p>
-          <a:p>
-            <a:pPr lvl="1"/>
-            <a:r>
-              <a:rPr lang="hu-HU" sz="3000" dirty="0" smtClean="0">
-                <a:latin typeface="Times New Roman" panose="02020603050405020304" pitchFamily="18" charset="0"/>
-                <a:cs typeface="Times New Roman" panose="02020603050405020304" pitchFamily="18" charset="0"/>
-              </a:rPr>
-              <a:t>S-100 </a:t>
-            </a:r>
-            <a:r>
-              <a:rPr lang="hu-HU" sz="3000" dirty="0" err="1" smtClean="0">
-                <a:latin typeface="Times New Roman" panose="02020603050405020304" pitchFamily="18" charset="0"/>
-                <a:cs typeface="Times New Roman" panose="02020603050405020304" pitchFamily="18" charset="0"/>
-              </a:rPr>
-              <a:t>Bus</a:t>
-            </a:r>
-            <a:endParaRPr lang="hu-HU" sz="3000" dirty="0" smtClean="0">
-              <a:latin typeface="Times New Roman" panose="02020603050405020304" pitchFamily="18" charset="0"/>
-              <a:cs typeface="Times New Roman" panose="02020603050405020304" pitchFamily="18" charset="0"/>
-            </a:endParaRPr>
+              <a:t>https://tinyurl.com/367fs5ty</a:t>
+            </a:r>
           </a:p>
         </p:txBody>
       </p:sp>
     </p:spTree>
     <p:extLst>
       <p:ext uri="{BB962C8B-B14F-4D97-AF65-F5344CB8AC3E}">
-        <p14:creationId xmlns:p14="http://schemas.microsoft.com/office/powerpoint/2010/main" val="2358915879"/>
+        <p14:creationId xmlns:p14="http://schemas.microsoft.com/office/powerpoint/2010/main" val="3957502701"/>
       </p:ext>
     </p:extLst>
   </p:cSld>
   <p:clrMapOvr>
     <a:masterClrMapping/>
   </p:clrMapOvr>
+  <p:timing>
+    <p:tnLst>
+      <p:par>
+        <p:cTn id="1" dur="indefinite" restart="never" nodeType="tmRoot"/>
+      </p:par>
+    </p:tnLst>
+  </p:timing>
 </p:sld>
 </file>
 
@@ -6754,7 +7078,12 @@
             <p:ph type="title"/>
           </p:nvPr>
         </p:nvSpPr>
-        <p:spPr/>
+        <p:spPr>
+          <a:xfrm>
+            <a:off x="-1346805" y="127000"/>
+            <a:ext cx="10353761" cy="1326321"/>
+          </a:xfrm>
+        </p:spPr>
         <p:txBody>
           <a:bodyPr>
             <a:normAutofit/>
@@ -6766,7 +7095,7 @@
                 <a:latin typeface="Times New Roman" panose="02020603050405020304" pitchFamily="18" charset="0"/>
                 <a:cs typeface="Times New Roman" panose="02020603050405020304" pitchFamily="18" charset="0"/>
               </a:rPr>
-              <a:t>Kimeneti Csatlakozók</a:t>
+              <a:t>Kártya Csatlakozók az alaplapon</a:t>
             </a:r>
             <a:endParaRPr lang="hu-HU" sz="4200" dirty="0">
               <a:latin typeface="Times New Roman" panose="02020603050405020304" pitchFamily="18" charset="0"/>
@@ -6787,13 +7116,13 @@
         </p:nvSpPr>
         <p:spPr>
           <a:xfrm>
-            <a:off x="913795" y="2096064"/>
-            <a:ext cx="3023205" cy="3961836"/>
+            <a:off x="285447" y="1570164"/>
+            <a:ext cx="5194905" cy="5061780"/>
           </a:xfrm>
         </p:spPr>
         <p:txBody>
           <a:bodyPr>
-            <a:normAutofit/>
+            <a:noAutofit/>
           </a:bodyPr>
           <a:lstStyle/>
           <a:p>
@@ -6802,52 +7131,222 @@
                 <a:latin typeface="Times New Roman" panose="02020603050405020304" pitchFamily="18" charset="0"/>
                 <a:cs typeface="Times New Roman" panose="02020603050405020304" pitchFamily="18" charset="0"/>
               </a:rPr>
-              <a:t>Display Port</a:t>
-            </a:r>
-          </a:p>
-          <a:p>
+              <a:t>Legismertebbek:</a:t>
+            </a:r>
+          </a:p>
+          <a:p>
+            <a:pPr lvl="1"/>
             <a:r>
               <a:rPr lang="hu-HU" sz="3000" dirty="0" smtClean="0">
                 <a:latin typeface="Times New Roman" panose="02020603050405020304" pitchFamily="18" charset="0"/>
                 <a:cs typeface="Times New Roman" panose="02020603050405020304" pitchFamily="18" charset="0"/>
               </a:rPr>
-              <a:t>HDMI</a:t>
-            </a:r>
-          </a:p>
-          <a:p>
+              <a:t>PCI</a:t>
+            </a:r>
+          </a:p>
+          <a:p>
+            <a:pPr lvl="1"/>
             <a:r>
               <a:rPr lang="hu-HU" sz="3000" dirty="0" smtClean="0">
                 <a:latin typeface="Times New Roman" panose="02020603050405020304" pitchFamily="18" charset="0"/>
                 <a:cs typeface="Times New Roman" panose="02020603050405020304" pitchFamily="18" charset="0"/>
               </a:rPr>
-              <a:t>VGA</a:t>
-            </a:r>
-          </a:p>
-          <a:p>
+              <a:t>PCI-X</a:t>
+            </a:r>
+          </a:p>
+          <a:p>
+            <a:pPr lvl="1"/>
             <a:r>
               <a:rPr lang="hu-HU" sz="3000" dirty="0" smtClean="0">
                 <a:latin typeface="Times New Roman" panose="02020603050405020304" pitchFamily="18" charset="0"/>
                 <a:cs typeface="Times New Roman" panose="02020603050405020304" pitchFamily="18" charset="0"/>
               </a:rPr>
-              <a:t>DVI</a:t>
+              <a:t>PCI-Express (</a:t>
+            </a:r>
+            <a:r>
+              <a:rPr lang="hu-HU" sz="3000" dirty="0" err="1" smtClean="0">
+                <a:latin typeface="Times New Roman" panose="02020603050405020304" pitchFamily="18" charset="0"/>
+                <a:cs typeface="Times New Roman" panose="02020603050405020304" pitchFamily="18" charset="0"/>
+              </a:rPr>
+              <a:t>PCIe</a:t>
+            </a:r>
+            <a:r>
+              <a:rPr lang="hu-HU" sz="3000" dirty="0" smtClean="0">
+                <a:latin typeface="Times New Roman" panose="02020603050405020304" pitchFamily="18" charset="0"/>
+                <a:cs typeface="Times New Roman" panose="02020603050405020304" pitchFamily="18" charset="0"/>
+              </a:rPr>
+              <a:t>) (16x)</a:t>
             </a:r>
             <a:endParaRPr lang="hu-HU" sz="3000" dirty="0">
               <a:latin typeface="Times New Roman" panose="02020603050405020304" pitchFamily="18" charset="0"/>
               <a:cs typeface="Times New Roman" panose="02020603050405020304" pitchFamily="18" charset="0"/>
             </a:endParaRPr>
           </a:p>
+          <a:p>
+            <a:endParaRPr lang="hu-HU" sz="3000" dirty="0" smtClean="0">
+              <a:latin typeface="Times New Roman" panose="02020603050405020304" pitchFamily="18" charset="0"/>
+              <a:cs typeface="Times New Roman" panose="02020603050405020304" pitchFamily="18" charset="0"/>
+            </a:endParaRPr>
+          </a:p>
+          <a:p>
+            <a:r>
+              <a:rPr lang="hu-HU" sz="3000" dirty="0" smtClean="0">
+                <a:latin typeface="Times New Roman" panose="02020603050405020304" pitchFamily="18" charset="0"/>
+                <a:cs typeface="Times New Roman" panose="02020603050405020304" pitchFamily="18" charset="0"/>
+              </a:rPr>
+              <a:t>Más fajták:</a:t>
+            </a:r>
+            <a:endParaRPr lang="hu-HU" sz="3000" dirty="0">
+              <a:latin typeface="Times New Roman" panose="02020603050405020304" pitchFamily="18" charset="0"/>
+              <a:cs typeface="Times New Roman" panose="02020603050405020304" pitchFamily="18" charset="0"/>
+            </a:endParaRPr>
+          </a:p>
+          <a:p>
+            <a:pPr lvl="1"/>
+            <a:r>
+              <a:rPr lang="hu-HU" sz="3000" dirty="0" smtClean="0">
+                <a:latin typeface="Times New Roman" panose="02020603050405020304" pitchFamily="18" charset="0"/>
+                <a:cs typeface="Times New Roman" panose="02020603050405020304" pitchFamily="18" charset="0"/>
+              </a:rPr>
+              <a:t>USB</a:t>
+            </a:r>
+          </a:p>
+          <a:p>
+            <a:pPr lvl="1"/>
+            <a:r>
+              <a:rPr lang="hu-HU" sz="3000" dirty="0" smtClean="0">
+                <a:latin typeface="Times New Roman" panose="02020603050405020304" pitchFamily="18" charset="0"/>
+                <a:cs typeface="Times New Roman" panose="02020603050405020304" pitchFamily="18" charset="0"/>
+              </a:rPr>
+              <a:t>S-100 </a:t>
+            </a:r>
+            <a:r>
+              <a:rPr lang="hu-HU" sz="3000" dirty="0" err="1" smtClean="0">
+                <a:latin typeface="Times New Roman" panose="02020603050405020304" pitchFamily="18" charset="0"/>
+                <a:cs typeface="Times New Roman" panose="02020603050405020304" pitchFamily="18" charset="0"/>
+              </a:rPr>
+              <a:t>Bus</a:t>
+            </a:r>
+            <a:endParaRPr lang="hu-HU" sz="3000" dirty="0" smtClean="0">
+              <a:latin typeface="Times New Roman" panose="02020603050405020304" pitchFamily="18" charset="0"/>
+              <a:cs typeface="Times New Roman" panose="02020603050405020304" pitchFamily="18" charset="0"/>
+            </a:endParaRPr>
+          </a:p>
+        </p:txBody>
+      </p:sp>
+      <p:pic>
+        <p:nvPicPr>
+          <p:cNvPr id="2050" name="Picture 2" descr="https://cdn.rios.hu/dl/cnt/2019-12/157343/gigabyte_z390_gaming_sli_a.jpg"/>
+          <p:cNvPicPr>
+            <a:picLocks noChangeAspect="1" noChangeArrowheads="1"/>
+          </p:cNvPicPr>
+          <p:nvPr/>
+        </p:nvPicPr>
+        <p:blipFill>
+          <a:blip r:embed="rId2">
+            <a:extLst>
+              <a:ext uri="{28A0092B-C50C-407E-A947-70E740481C1C}">
+                <a14:useLocalDpi xmlns:a14="http://schemas.microsoft.com/office/drawing/2010/main" val="0"/>
+              </a:ext>
+            </a:extLst>
+          </a:blip>
+          <a:srcRect/>
+          <a:stretch>
+            <a:fillRect/>
+          </a:stretch>
+        </p:blipFill>
+        <p:spPr bwMode="auto">
+          <a:xfrm>
+            <a:off x="5829300" y="-292101"/>
+            <a:ext cx="5952606" cy="6883401"/>
+          </a:xfrm>
+          <a:prstGeom prst="roundRect">
+            <a:avLst>
+              <a:gd name="adj" fmla="val 16667"/>
+            </a:avLst>
+          </a:prstGeom>
+          <a:ln>
+            <a:noFill/>
+          </a:ln>
+          <a:effectLst>
+            <a:outerShdw blurRad="152400" dist="12000" dir="900000" sy="98000" kx="110000" ky="200000" algn="tl" rotWithShape="0">
+              <a:srgbClr val="000000">
+                <a:alpha val="30000"/>
+              </a:srgbClr>
+            </a:outerShdw>
+          </a:effectLst>
+          <a:scene3d>
+            <a:camera prst="perspectiveRelaxed">
+              <a:rot lat="19800000" lon="1200000" rev="20820000"/>
+            </a:camera>
+            <a:lightRig rig="threePt" dir="t"/>
+          </a:scene3d>
+          <a:sp3d contourW="6350" prstMaterial="matte">
+            <a:bevelT w="101600" h="101600"/>
+            <a:contourClr>
+              <a:srgbClr val="969696"/>
+            </a:contourClr>
+          </a:sp3d>
+          <a:extLst>
+            <a:ext uri="{909E8E84-426E-40DD-AFC4-6F175D3DCCD1}">
+              <a14:hiddenFill xmlns:a14="http://schemas.microsoft.com/office/drawing/2010/main">
+                <a:solidFill>
+                  <a:srgbClr val="FFFFFF"/>
+                </a:solidFill>
+              </a14:hiddenFill>
+            </a:ext>
+          </a:extLst>
+        </p:spPr>
+      </p:pic>
+      <p:sp>
+        <p:nvSpPr>
+          <p:cNvPr id="4" name="Szövegdoboz 3"/>
+          <p:cNvSpPr txBox="1"/>
+          <p:nvPr/>
+        </p:nvSpPr>
+        <p:spPr>
+          <a:xfrm>
+            <a:off x="6629400" y="6501139"/>
+            <a:ext cx="1803400" cy="261610"/>
+          </a:xfrm>
+          <a:prstGeom prst="rect">
+            <a:avLst/>
+          </a:prstGeom>
+          <a:noFill/>
+        </p:spPr>
+        <p:txBody>
+          <a:bodyPr wrap="square" rtlCol="0">
+            <a:spAutoFit/>
+          </a:bodyPr>
+          <a:lstStyle/>
+          <a:p>
+            <a:r>
+              <a:rPr lang="hu-HU" sz="1100" dirty="0">
+                <a:latin typeface="Times New Roman" panose="02020603050405020304" pitchFamily="18" charset="0"/>
+                <a:cs typeface="Times New Roman" panose="02020603050405020304" pitchFamily="18" charset="0"/>
+              </a:rPr>
+              <a:t>https://tinyurl.com/2s4c4psj</a:t>
+            </a:r>
+          </a:p>
         </p:txBody>
       </p:sp>
     </p:spTree>
     <p:extLst>
       <p:ext uri="{BB962C8B-B14F-4D97-AF65-F5344CB8AC3E}">
-        <p14:creationId xmlns:p14="http://schemas.microsoft.com/office/powerpoint/2010/main" val="3957502701"/>
+        <p14:creationId xmlns:p14="http://schemas.microsoft.com/office/powerpoint/2010/main" val="2358915879"/>
       </p:ext>
     </p:extLst>
   </p:cSld>
   <p:clrMapOvr>
     <a:masterClrMapping/>
   </p:clrMapOvr>
+  <p:timing>
+    <p:tnLst>
+      <p:par>
+        <p:cTn id="1" dur="indefinite" restart="never" nodeType="tmRoot"/>
+      </p:par>
+    </p:tnLst>
+  </p:timing>
 </p:sld>
 </file>
 
@@ -6936,6 +7435,158 @@
           </a:p>
         </p:txBody>
       </p:sp>
+      <p:pic>
+        <p:nvPicPr>
+          <p:cNvPr id="4" name="Kép 3"/>
+          <p:cNvPicPr>
+            <a:picLocks noChangeAspect="1"/>
+          </p:cNvPicPr>
+          <p:nvPr/>
+        </p:nvPicPr>
+        <p:blipFill>
+          <a:blip r:embed="rId2">
+            <a:extLst>
+              <a:ext uri="{28A0092B-C50C-407E-A947-70E740481C1C}">
+                <a14:useLocalDpi xmlns:a14="http://schemas.microsoft.com/office/drawing/2010/main" val="0"/>
+              </a:ext>
+            </a:extLst>
+          </a:blip>
+          <a:stretch>
+            <a:fillRect/>
+          </a:stretch>
+        </p:blipFill>
+        <p:spPr>
+          <a:xfrm>
+            <a:off x="-2117660" y="1617776"/>
+            <a:ext cx="8477120" cy="6746648"/>
+          </a:xfrm>
+          <a:prstGeom prst="rect">
+            <a:avLst/>
+          </a:prstGeom>
+        </p:spPr>
+      </p:pic>
+      <p:sp>
+        <p:nvSpPr>
+          <p:cNvPr id="5" name="Szövegdoboz 4"/>
+          <p:cNvSpPr txBox="1"/>
+          <p:nvPr/>
+        </p:nvSpPr>
+        <p:spPr>
+          <a:xfrm>
+            <a:off x="1365250" y="6248400"/>
+            <a:ext cx="1511300" cy="261610"/>
+          </a:xfrm>
+          <a:prstGeom prst="rect">
+            <a:avLst/>
+          </a:prstGeom>
+          <a:noFill/>
+        </p:spPr>
+        <p:txBody>
+          <a:bodyPr wrap="square" rtlCol="0">
+            <a:spAutoFit/>
+          </a:bodyPr>
+          <a:lstStyle/>
+          <a:p>
+            <a:r>
+              <a:rPr lang="hu-HU" sz="1100" dirty="0" smtClean="0">
+                <a:latin typeface="Times New Roman" panose="02020603050405020304" pitchFamily="18" charset="0"/>
+                <a:cs typeface="Times New Roman" panose="02020603050405020304" pitchFamily="18" charset="0"/>
+              </a:rPr>
+              <a:t>http://croptocoins.co/</a:t>
+            </a:r>
+            <a:endParaRPr lang="hu-HU" sz="1100" dirty="0">
+              <a:latin typeface="Times New Roman" panose="02020603050405020304" pitchFamily="18" charset="0"/>
+              <a:cs typeface="Times New Roman" panose="02020603050405020304" pitchFamily="18" charset="0"/>
+            </a:endParaRPr>
+          </a:p>
+        </p:txBody>
+      </p:sp>
+      <p:pic>
+        <p:nvPicPr>
+          <p:cNvPr id="6" name="Kép 5"/>
+          <p:cNvPicPr>
+            <a:picLocks noChangeAspect="1"/>
+          </p:cNvPicPr>
+          <p:nvPr/>
+        </p:nvPicPr>
+        <p:blipFill>
+          <a:blip r:embed="rId3"/>
+          <a:stretch>
+            <a:fillRect/>
+          </a:stretch>
+        </p:blipFill>
+        <p:spPr>
+          <a:xfrm>
+            <a:off x="3528153" y="1619981"/>
+            <a:ext cx="8342313" cy="4890029"/>
+          </a:xfrm>
+          <a:prstGeom prst="snip2DiagRect">
+            <a:avLst/>
+          </a:prstGeom>
+          <a:solidFill>
+            <a:srgbClr val="FFFFFF">
+              <a:shade val="85000"/>
+            </a:srgbClr>
+          </a:solidFill>
+          <a:ln w="88900" cap="sq">
+            <a:solidFill>
+              <a:srgbClr val="FFFFFF"/>
+            </a:solidFill>
+            <a:miter lim="800000"/>
+          </a:ln>
+          <a:effectLst>
+            <a:outerShdw blurRad="88900" algn="tl" rotWithShape="0">
+              <a:srgbClr val="000000">
+                <a:alpha val="45000"/>
+              </a:srgbClr>
+            </a:outerShdw>
+          </a:effectLst>
+          <a:scene3d>
+            <a:camera prst="orthographicFront"/>
+            <a:lightRig rig="twoPt" dir="t">
+              <a:rot lat="0" lon="0" rev="7200000"/>
+            </a:lightRig>
+          </a:scene3d>
+          <a:sp3d>
+            <a:bevelT w="25400" h="19050"/>
+            <a:contourClr>
+              <a:srgbClr val="FFFFFF"/>
+            </a:contourClr>
+          </a:sp3d>
+        </p:spPr>
+      </p:pic>
+      <p:sp>
+        <p:nvSpPr>
+          <p:cNvPr id="7" name="Szövegdoboz 6"/>
+          <p:cNvSpPr txBox="1"/>
+          <p:nvPr/>
+        </p:nvSpPr>
+        <p:spPr>
+          <a:xfrm>
+            <a:off x="6772209" y="6555720"/>
+            <a:ext cx="1854200" cy="261610"/>
+          </a:xfrm>
+          <a:prstGeom prst="rect">
+            <a:avLst/>
+          </a:prstGeom>
+          <a:noFill/>
+        </p:spPr>
+        <p:txBody>
+          <a:bodyPr wrap="square" rtlCol="0">
+            <a:spAutoFit/>
+          </a:bodyPr>
+          <a:lstStyle/>
+          <a:p>
+            <a:r>
+              <a:rPr lang="hu-HU" sz="1100" dirty="0">
+                <a:latin typeface="Times New Roman" panose="02020603050405020304" pitchFamily="18" charset="0"/>
+                <a:cs typeface="Times New Roman" panose="02020603050405020304" pitchFamily="18" charset="0"/>
+              </a:rPr>
+              <a:t>https://tinyurl.com/mry778ct</a:t>
+            </a:r>
+          </a:p>
+        </p:txBody>
+      </p:sp>
     </p:spTree>
     <p:extLst>
       <p:ext uri="{BB962C8B-B14F-4D97-AF65-F5344CB8AC3E}">
@@ -6946,6 +7597,13 @@
   <p:clrMapOvr>
     <a:masterClrMapping/>
   </p:clrMapOvr>
+  <p:timing>
+    <p:tnLst>
+      <p:par>
+        <p:cTn id="1" dur="indefinite" restart="never" nodeType="tmRoot"/>
+      </p:par>
+    </p:tnLst>
+  </p:timing>
 </p:sld>
 </file>
 
@@ -7009,12 +7667,14 @@
         </p:nvSpPr>
         <p:spPr>
           <a:xfrm>
-            <a:off x="913795" y="2096064"/>
-            <a:ext cx="3086705" cy="3733236"/>
-          </a:xfrm>
-        </p:spPr>
-        <p:txBody>
-          <a:bodyPr/>
+            <a:off x="545495" y="1676964"/>
+            <a:ext cx="3973338" cy="4901636"/>
+          </a:xfrm>
+        </p:spPr>
+        <p:txBody>
+          <a:bodyPr>
+            <a:noAutofit/>
+          </a:bodyPr>
           <a:lstStyle/>
           <a:p>
             <a:r>
@@ -7022,10 +7682,11 @@
                 <a:latin typeface="Times New Roman" panose="02020603050405020304" pitchFamily="18" charset="0"/>
                 <a:cs typeface="Times New Roman" panose="02020603050405020304" pitchFamily="18" charset="0"/>
               </a:rPr>
-              <a:t>Újra pásztázás</a:t>
-            </a:r>
-          </a:p>
-          <a:p>
+              <a:t>Takarítás:</a:t>
+            </a:r>
+          </a:p>
+          <a:p>
+            <a:pPr lvl="1"/>
             <a:r>
               <a:rPr lang="hu-HU" sz="3000" dirty="0" smtClean="0">
                 <a:latin typeface="Times New Roman" panose="02020603050405020304" pitchFamily="18" charset="0"/>
@@ -7035,7 +7696,126 @@
             </a:r>
           </a:p>
           <a:p>
-            <a:endParaRPr lang="hu-HU" dirty="0"/>
+            <a:endParaRPr lang="hu-HU" sz="3000" dirty="0">
+              <a:latin typeface="Times New Roman" panose="02020603050405020304" pitchFamily="18" charset="0"/>
+              <a:cs typeface="Times New Roman" panose="02020603050405020304" pitchFamily="18" charset="0"/>
+            </a:endParaRPr>
+          </a:p>
+          <a:p>
+            <a:r>
+              <a:rPr lang="hu-HU" sz="3000" dirty="0" smtClean="0">
+                <a:latin typeface="Times New Roman" panose="02020603050405020304" pitchFamily="18" charset="0"/>
+                <a:cs typeface="Times New Roman" panose="02020603050405020304" pitchFamily="18" charset="0"/>
+              </a:rPr>
+              <a:t>Teljes karbantartás:</a:t>
+            </a:r>
+          </a:p>
+          <a:p>
+            <a:pPr lvl="1"/>
+            <a:r>
+              <a:rPr lang="hu-HU" sz="3000" dirty="0" smtClean="0">
+                <a:latin typeface="Times New Roman" panose="02020603050405020304" pitchFamily="18" charset="0"/>
+                <a:cs typeface="Times New Roman" panose="02020603050405020304" pitchFamily="18" charset="0"/>
+              </a:rPr>
+              <a:t>Burkolat eltávolítás</a:t>
+            </a:r>
+          </a:p>
+          <a:p>
+            <a:pPr lvl="1"/>
+            <a:r>
+              <a:rPr lang="hu-HU" sz="3000" dirty="0" smtClean="0">
+                <a:latin typeface="Times New Roman" panose="02020603050405020304" pitchFamily="18" charset="0"/>
+                <a:cs typeface="Times New Roman" panose="02020603050405020304" pitchFamily="18" charset="0"/>
+              </a:rPr>
+              <a:t>Por eltávolítás</a:t>
+            </a:r>
+          </a:p>
+          <a:p>
+            <a:pPr lvl="1"/>
+            <a:r>
+              <a:rPr lang="hu-HU" sz="3000" dirty="0" err="1" smtClean="0">
+                <a:latin typeface="Times New Roman" panose="02020603050405020304" pitchFamily="18" charset="0"/>
+                <a:cs typeface="Times New Roman" panose="02020603050405020304" pitchFamily="18" charset="0"/>
+              </a:rPr>
+              <a:t>Pasztázás</a:t>
+            </a:r>
+            <a:endParaRPr lang="hu-HU" sz="3000" dirty="0">
+              <a:latin typeface="Times New Roman" panose="02020603050405020304" pitchFamily="18" charset="0"/>
+              <a:cs typeface="Times New Roman" panose="02020603050405020304" pitchFamily="18" charset="0"/>
+            </a:endParaRPr>
+          </a:p>
+        </p:txBody>
+      </p:sp>
+      <p:pic>
+        <p:nvPicPr>
+          <p:cNvPr id="3074" name="Picture 2" descr="A gyilkos paszta - LOGOUT.hu Személyes bejegyzés"/>
+          <p:cNvPicPr>
+            <a:picLocks noChangeAspect="1" noChangeArrowheads="1"/>
+          </p:cNvPicPr>
+          <p:nvPr/>
+        </p:nvPicPr>
+        <p:blipFill>
+          <a:blip r:embed="rId2">
+            <a:extLst>
+              <a:ext uri="{28A0092B-C50C-407E-A947-70E740481C1C}">
+                <a14:useLocalDpi xmlns:a14="http://schemas.microsoft.com/office/drawing/2010/main" val="0"/>
+              </a:ext>
+            </a:extLst>
+          </a:blip>
+          <a:srcRect/>
+          <a:stretch>
+            <a:fillRect/>
+          </a:stretch>
+        </p:blipFill>
+        <p:spPr bwMode="auto">
+          <a:xfrm>
+            <a:off x="4702983" y="1538852"/>
+            <a:ext cx="6564573" cy="4923429"/>
+          </a:xfrm>
+          <a:prstGeom prst="rect">
+            <a:avLst/>
+          </a:prstGeom>
+          <a:noFill/>
+          <a:extLst>
+            <a:ext uri="{909E8E84-426E-40DD-AFC4-6F175D3DCCD1}">
+              <a14:hiddenFill xmlns:a14="http://schemas.microsoft.com/office/drawing/2010/main">
+                <a:solidFill>
+                  <a:srgbClr val="FFFFFF"/>
+                </a:solidFill>
+              </a14:hiddenFill>
+            </a:ext>
+          </a:extLst>
+        </p:spPr>
+      </p:pic>
+      <p:sp>
+        <p:nvSpPr>
+          <p:cNvPr id="4" name="Szövegdoboz 3"/>
+          <p:cNvSpPr txBox="1"/>
+          <p:nvPr/>
+        </p:nvSpPr>
+        <p:spPr>
+          <a:xfrm>
+            <a:off x="7089919" y="6498362"/>
+            <a:ext cx="1790700" cy="261610"/>
+          </a:xfrm>
+          <a:prstGeom prst="rect">
+            <a:avLst/>
+          </a:prstGeom>
+          <a:noFill/>
+        </p:spPr>
+        <p:txBody>
+          <a:bodyPr wrap="square" rtlCol="0">
+            <a:spAutoFit/>
+          </a:bodyPr>
+          <a:lstStyle/>
+          <a:p>
+            <a:r>
+              <a:rPr lang="hu-HU" sz="1100" dirty="0">
+                <a:latin typeface="Times New Roman" panose="02020603050405020304" pitchFamily="18" charset="0"/>
+                <a:cs typeface="Times New Roman" panose="02020603050405020304" pitchFamily="18" charset="0"/>
+              </a:rPr>
+              <a:t>https://tinyurl.com/yfa5rn56</a:t>
+            </a:r>
           </a:p>
         </p:txBody>
       </p:sp>
@@ -7049,6 +7829,13 @@
   <p:clrMapOvr>
     <a:masterClrMapping/>
   </p:clrMapOvr>
+  <p:timing>
+    <p:tnLst>
+      <p:par>
+        <p:cTn id="1" dur="indefinite" restart="never" nodeType="tmRoot"/>
+      </p:par>
+    </p:tnLst>
+  </p:timing>
 </p:sld>
 </file>
 
